--- a/materials/프레젠테이션1.pptx
+++ b/materials/프레젠테이션1.pptx
@@ -113,6 +113,11 @@
       </a:defRPr>
     </a:lvl9pPr>
   </p:defaultTextStyle>
+  <p:extLst>
+    <p:ext uri="{EFAFB233-063F-42B5-8137-9DF3F51BA10A}">
+      <p15:sldGuideLst xmlns:p15="http://schemas.microsoft.com/office/powerpoint/2012/main"/>
+    </p:ext>
+  </p:extLst>
 </p:presentation>
 </file>
 
@@ -265,7 +270,7 @@
           <a:p>
             <a:fld id="{6DDABF33-E559-ED42-997F-50A668857706}" type="datetimeFigureOut">
               <a:rPr kumimoji="1" lang="ko-Kore-KR" altLang="en-US" smtClean="0"/>
-              <a:t>2026. 2. 17.</a:t>
+              <a:t>2/20/26</a:t>
             </a:fld>
             <a:endParaRPr kumimoji="1" lang="ko-Kore-KR" altLang="en-US"/>
           </a:p>
@@ -465,7 +470,7 @@
           <a:p>
             <a:fld id="{6DDABF33-E559-ED42-997F-50A668857706}" type="datetimeFigureOut">
               <a:rPr kumimoji="1" lang="ko-Kore-KR" altLang="en-US" smtClean="0"/>
-              <a:t>2026. 2. 17.</a:t>
+              <a:t>2/20/26</a:t>
             </a:fld>
             <a:endParaRPr kumimoji="1" lang="ko-Kore-KR" altLang="en-US"/>
           </a:p>
@@ -675,7 +680,7 @@
           <a:p>
             <a:fld id="{6DDABF33-E559-ED42-997F-50A668857706}" type="datetimeFigureOut">
               <a:rPr kumimoji="1" lang="ko-Kore-KR" altLang="en-US" smtClean="0"/>
-              <a:t>2026. 2. 17.</a:t>
+              <a:t>2/20/26</a:t>
             </a:fld>
             <a:endParaRPr kumimoji="1" lang="ko-Kore-KR" altLang="en-US"/>
           </a:p>
@@ -897,7 +902,7 @@
           <a:p>
             <a:fld id="{6DDABF33-E559-ED42-997F-50A668857706}" type="datetimeFigureOut">
               <a:rPr kumimoji="1" lang="ko-Kore-KR" altLang="en-US" smtClean="0"/>
-              <a:t>2026. 2. 17.</a:t>
+              <a:t>2/20/26</a:t>
             </a:fld>
             <a:endParaRPr kumimoji="1" lang="ko-Kore-KR" altLang="en-US"/>
           </a:p>
@@ -1097,7 +1102,7 @@
           <a:p>
             <a:fld id="{6DDABF33-E559-ED42-997F-50A668857706}" type="datetimeFigureOut">
               <a:rPr kumimoji="1" lang="ko-Kore-KR" altLang="en-US" smtClean="0"/>
-              <a:t>2026. 2. 17.</a:t>
+              <a:t>2/20/26</a:t>
             </a:fld>
             <a:endParaRPr kumimoji="1" lang="ko-Kore-KR" altLang="en-US"/>
           </a:p>
@@ -1373,7 +1378,7 @@
           <a:p>
             <a:fld id="{6DDABF33-E559-ED42-997F-50A668857706}" type="datetimeFigureOut">
               <a:rPr kumimoji="1" lang="ko-Kore-KR" altLang="en-US" smtClean="0"/>
-              <a:t>2026. 2. 17.</a:t>
+              <a:t>2/20/26</a:t>
             </a:fld>
             <a:endParaRPr kumimoji="1" lang="ko-Kore-KR" altLang="en-US"/>
           </a:p>
@@ -1641,7 +1646,7 @@
           <a:p>
             <a:fld id="{6DDABF33-E559-ED42-997F-50A668857706}" type="datetimeFigureOut">
               <a:rPr kumimoji="1" lang="ko-Kore-KR" altLang="en-US" smtClean="0"/>
-              <a:t>2026. 2. 17.</a:t>
+              <a:t>2/20/26</a:t>
             </a:fld>
             <a:endParaRPr kumimoji="1" lang="ko-Kore-KR" altLang="en-US"/>
           </a:p>
@@ -2056,7 +2061,7 @@
           <a:p>
             <a:fld id="{6DDABF33-E559-ED42-997F-50A668857706}" type="datetimeFigureOut">
               <a:rPr kumimoji="1" lang="ko-Kore-KR" altLang="en-US" smtClean="0"/>
-              <a:t>2026. 2. 17.</a:t>
+              <a:t>2/20/26</a:t>
             </a:fld>
             <a:endParaRPr kumimoji="1" lang="ko-Kore-KR" altLang="en-US"/>
           </a:p>
@@ -2198,7 +2203,7 @@
           <a:p>
             <a:fld id="{6DDABF33-E559-ED42-997F-50A668857706}" type="datetimeFigureOut">
               <a:rPr kumimoji="1" lang="ko-Kore-KR" altLang="en-US" smtClean="0"/>
-              <a:t>2026. 2. 17.</a:t>
+              <a:t>2/20/26</a:t>
             </a:fld>
             <a:endParaRPr kumimoji="1" lang="ko-Kore-KR" altLang="en-US"/>
           </a:p>
@@ -2311,7 +2316,7 @@
           <a:p>
             <a:fld id="{6DDABF33-E559-ED42-997F-50A668857706}" type="datetimeFigureOut">
               <a:rPr kumimoji="1" lang="ko-Kore-KR" altLang="en-US" smtClean="0"/>
-              <a:t>2026. 2. 17.</a:t>
+              <a:t>2/20/26</a:t>
             </a:fld>
             <a:endParaRPr kumimoji="1" lang="ko-Kore-KR" altLang="en-US"/>
           </a:p>
@@ -2624,7 +2629,7 @@
           <a:p>
             <a:fld id="{6DDABF33-E559-ED42-997F-50A668857706}" type="datetimeFigureOut">
               <a:rPr kumimoji="1" lang="ko-Kore-KR" altLang="en-US" smtClean="0"/>
-              <a:t>2026. 2. 17.</a:t>
+              <a:t>2/20/26</a:t>
             </a:fld>
             <a:endParaRPr kumimoji="1" lang="ko-Kore-KR" altLang="en-US"/>
           </a:p>
@@ -2824,7 +2829,7 @@
           <a:p>
             <a:fld id="{6DDABF33-E559-ED42-997F-50A668857706}" type="datetimeFigureOut">
               <a:rPr kumimoji="1" lang="ko-Kore-KR" altLang="en-US" smtClean="0"/>
-              <a:t>2026. 2. 17.</a:t>
+              <a:t>2/20/26</a:t>
             </a:fld>
             <a:endParaRPr kumimoji="1" lang="ko-Kore-KR" altLang="en-US"/>
           </a:p>
@@ -3113,7 +3118,7 @@
           <a:p>
             <a:fld id="{6DDABF33-E559-ED42-997F-50A668857706}" type="datetimeFigureOut">
               <a:rPr kumimoji="1" lang="ko-Kore-KR" altLang="en-US" smtClean="0"/>
-              <a:t>2026. 2. 17.</a:t>
+              <a:t>2/20/26</a:t>
             </a:fld>
             <a:endParaRPr kumimoji="1" lang="ko-Kore-KR" altLang="en-US"/>
           </a:p>
@@ -3313,7 +3318,7 @@
           <a:p>
             <a:fld id="{6DDABF33-E559-ED42-997F-50A668857706}" type="datetimeFigureOut">
               <a:rPr kumimoji="1" lang="ko-Kore-KR" altLang="en-US" smtClean="0"/>
-              <a:t>2026. 2. 17.</a:t>
+              <a:t>2/20/26</a:t>
             </a:fld>
             <a:endParaRPr kumimoji="1" lang="ko-Kore-KR" altLang="en-US"/>
           </a:p>
@@ -3523,7 +3528,7 @@
           <a:p>
             <a:fld id="{6DDABF33-E559-ED42-997F-50A668857706}" type="datetimeFigureOut">
               <a:rPr kumimoji="1" lang="ko-Kore-KR" altLang="en-US" smtClean="0"/>
-              <a:t>2026. 2. 17.</a:t>
+              <a:t>2/20/26</a:t>
             </a:fld>
             <a:endParaRPr kumimoji="1" lang="ko-Kore-KR" altLang="en-US"/>
           </a:p>
@@ -3799,7 +3804,7 @@
           <a:p>
             <a:fld id="{6DDABF33-E559-ED42-997F-50A668857706}" type="datetimeFigureOut">
               <a:rPr kumimoji="1" lang="ko-Kore-KR" altLang="en-US" smtClean="0"/>
-              <a:t>2026. 2. 17.</a:t>
+              <a:t>2/20/26</a:t>
             </a:fld>
             <a:endParaRPr kumimoji="1" lang="ko-Kore-KR" altLang="en-US"/>
           </a:p>
@@ -4067,7 +4072,7 @@
           <a:p>
             <a:fld id="{6DDABF33-E559-ED42-997F-50A668857706}" type="datetimeFigureOut">
               <a:rPr kumimoji="1" lang="ko-Kore-KR" altLang="en-US" smtClean="0"/>
-              <a:t>2026. 2. 17.</a:t>
+              <a:t>2/20/26</a:t>
             </a:fld>
             <a:endParaRPr kumimoji="1" lang="ko-Kore-KR" altLang="en-US"/>
           </a:p>
@@ -4482,7 +4487,7 @@
           <a:p>
             <a:fld id="{6DDABF33-E559-ED42-997F-50A668857706}" type="datetimeFigureOut">
               <a:rPr kumimoji="1" lang="ko-Kore-KR" altLang="en-US" smtClean="0"/>
-              <a:t>2026. 2. 17.</a:t>
+              <a:t>2/20/26</a:t>
             </a:fld>
             <a:endParaRPr kumimoji="1" lang="ko-Kore-KR" altLang="en-US"/>
           </a:p>
@@ -4624,7 +4629,7 @@
           <a:p>
             <a:fld id="{6DDABF33-E559-ED42-997F-50A668857706}" type="datetimeFigureOut">
               <a:rPr kumimoji="1" lang="ko-Kore-KR" altLang="en-US" smtClean="0"/>
-              <a:t>2026. 2. 17.</a:t>
+              <a:t>2/20/26</a:t>
             </a:fld>
             <a:endParaRPr kumimoji="1" lang="ko-Kore-KR" altLang="en-US"/>
           </a:p>
@@ -4737,7 +4742,7 @@
           <a:p>
             <a:fld id="{6DDABF33-E559-ED42-997F-50A668857706}" type="datetimeFigureOut">
               <a:rPr kumimoji="1" lang="ko-Kore-KR" altLang="en-US" smtClean="0"/>
-              <a:t>2026. 2. 17.</a:t>
+              <a:t>2/20/26</a:t>
             </a:fld>
             <a:endParaRPr kumimoji="1" lang="ko-Kore-KR" altLang="en-US"/>
           </a:p>
@@ -5050,7 +5055,7 @@
           <a:p>
             <a:fld id="{6DDABF33-E559-ED42-997F-50A668857706}" type="datetimeFigureOut">
               <a:rPr kumimoji="1" lang="ko-Kore-KR" altLang="en-US" smtClean="0"/>
-              <a:t>2026. 2. 17.</a:t>
+              <a:t>2/20/26</a:t>
             </a:fld>
             <a:endParaRPr kumimoji="1" lang="ko-Kore-KR" altLang="en-US"/>
           </a:p>
@@ -5339,7 +5344,7 @@
           <a:p>
             <a:fld id="{6DDABF33-E559-ED42-997F-50A668857706}" type="datetimeFigureOut">
               <a:rPr kumimoji="1" lang="ko-Kore-KR" altLang="en-US" smtClean="0"/>
-              <a:t>2026. 2. 17.</a:t>
+              <a:t>2/20/26</a:t>
             </a:fld>
             <a:endParaRPr kumimoji="1" lang="ko-Kore-KR" altLang="en-US"/>
           </a:p>
@@ -5582,7 +5587,7 @@
           <a:p>
             <a:fld id="{6DDABF33-E559-ED42-997F-50A668857706}" type="datetimeFigureOut">
               <a:rPr kumimoji="1" lang="ko-Kore-KR" altLang="en-US" smtClean="0"/>
-              <a:t>2026. 2. 17.</a:t>
+              <a:t>2/20/26</a:t>
             </a:fld>
             <a:endParaRPr kumimoji="1" lang="ko-Kore-KR" altLang="en-US"/>
           </a:p>
@@ -6152,7 +6157,7 @@
           <a:p>
             <a:fld id="{6DDABF33-E559-ED42-997F-50A668857706}" type="datetimeFigureOut">
               <a:rPr kumimoji="1" lang="ko-Kore-KR" altLang="en-US" smtClean="0"/>
-              <a:t>2026. 2. 17.</a:t>
+              <a:t>2/20/26</a:t>
             </a:fld>
             <a:endParaRPr kumimoji="1" lang="ko-Kore-KR" altLang="en-US"/>
           </a:p>
